--- a/Chapter07/stats7.pptx
+++ b/Chapter07/stats7.pptx
@@ -5,7 +5,7 @@
     <p:sldMasterId id="2147483648" r:id="rId1"/>
   </p:sldMasterIdLst>
   <p:notesMasterIdLst>
-    <p:notesMasterId r:id="rId30"/>
+    <p:notesMasterId r:id="rId33"/>
   </p:notesMasterIdLst>
   <p:sldIdLst>
     <p:sldId id="256" r:id="rId2"/>
@@ -35,7 +35,10 @@
     <p:sldId id="292" r:id="rId26"/>
     <p:sldId id="291" r:id="rId27"/>
     <p:sldId id="293" r:id="rId28"/>
-    <p:sldId id="294" r:id="rId29"/>
+    <p:sldId id="296" r:id="rId29"/>
+    <p:sldId id="295" r:id="rId30"/>
+    <p:sldId id="297" r:id="rId31"/>
+    <p:sldId id="294" r:id="rId32"/>
   </p:sldIdLst>
   <p:sldSz cx="12192000" cy="6858000"/>
   <p:notesSz cx="6858000" cy="9144000"/>
@@ -8088,7 +8091,7 @@
           <a:p>
             <a:r>
               <a:rPr lang="ja-JP" altLang="en-US" dirty="0" smtClean="0"/>
-              <a:t>過分散の有無を調べて判断する　→実験結果から判断</a:t>
+              <a:t>過分散の有無を調べて判断する　→データから判断</a:t>
             </a:r>
             <a:r>
               <a:rPr lang="en-US" altLang="ja-JP" dirty="0" smtClean="0"/>
@@ -8236,16 +8239,8 @@
           <a:lstStyle/>
           <a:p>
             <a:r>
-              <a:rPr lang="ja-JP" altLang="en-US" sz="3600" dirty="0" smtClean="0"/>
-              <a:t>固定効果</a:t>
-            </a:r>
-            <a:r>
-              <a:rPr lang="en-US" altLang="ja-JP" sz="3600" dirty="0" smtClean="0"/>
-              <a:t> or </a:t>
-            </a:r>
-            <a:r>
-              <a:rPr lang="ja-JP" altLang="en-US" sz="3600" dirty="0" smtClean="0"/>
-              <a:t>（個体差による）ランダム効果の判断</a:t>
+              <a:rPr lang="ja-JP" altLang="en-US" sz="3600" dirty="0"/>
+              <a:t>個体差を組み込む必要があるかどうかの判断</a:t>
             </a:r>
             <a:endParaRPr kumimoji="1" lang="ja-JP" altLang="en-US" sz="3600" dirty="0"/>
           </a:p>
@@ -8362,6 +8357,108 @@
       </p:grpSpPr>
       <p:sp>
         <p:nvSpPr>
+          <p:cNvPr id="2" name="タイトル 1"/>
+          <p:cNvSpPr>
+            <a:spLocks noGrp="1"/>
+          </p:cNvSpPr>
+          <p:nvPr>
+            <p:ph type="ctrTitle"/>
+          </p:nvPr>
+        </p:nvSpPr>
+        <p:spPr>
+          <a:xfrm>
+            <a:off x="1524000" y="2943224"/>
+            <a:ext cx="9144000" cy="752475"/>
+          </a:xfrm>
+        </p:spPr>
+        <p:txBody>
+          <a:bodyPr>
+            <a:normAutofit/>
+          </a:bodyPr>
+          <a:lstStyle/>
+          <a:p>
+            <a:r>
+              <a:rPr lang="en-US" altLang="ja-JP" sz="3600" dirty="0" smtClean="0"/>
+              <a:t>7</a:t>
+            </a:r>
+            <a:r>
+              <a:rPr kumimoji="1" lang="en-US" altLang="ja-JP" sz="3600" dirty="0" smtClean="0"/>
+              <a:t>.6 </a:t>
+            </a:r>
+            <a:r>
+              <a:rPr lang="ja-JP" altLang="en-US" sz="3600" dirty="0" smtClean="0"/>
+              <a:t>いろいろな分布の</a:t>
+            </a:r>
+            <a:r>
+              <a:rPr lang="en-US" altLang="ja-JP" sz="3600" dirty="0" smtClean="0"/>
+              <a:t>GLMM</a:t>
+            </a:r>
+            <a:endParaRPr kumimoji="1" lang="ja-JP" altLang="en-US" sz="3600" dirty="0"/>
+          </a:p>
+        </p:txBody>
+      </p:sp>
+      <p:sp>
+        <p:nvSpPr>
+          <p:cNvPr id="3" name="スライド番号プレースホルダー 2"/>
+          <p:cNvSpPr>
+            <a:spLocks noGrp="1"/>
+          </p:cNvSpPr>
+          <p:nvPr>
+            <p:ph type="sldNum" sz="quarter" idx="12"/>
+          </p:nvPr>
+        </p:nvSpPr>
+        <p:spPr/>
+        <p:txBody>
+          <a:bodyPr/>
+          <a:lstStyle/>
+          <a:p>
+            <a:fld id="{B719A31E-6442-9840-8256-6AAC2EFDFE94}" type="slidenum">
+              <a:rPr kumimoji="1" lang="ja-JP" altLang="en-US" smtClean="0"/>
+              <a:t>28</a:t>
+            </a:fld>
+            <a:endParaRPr kumimoji="1" lang="ja-JP" altLang="en-US"/>
+          </a:p>
+        </p:txBody>
+      </p:sp>
+    </p:spTree>
+    <p:extLst>
+      <p:ext uri="{BB962C8B-B14F-4D97-AF65-F5344CB8AC3E}">
+        <p14:creationId xmlns:p14="http://schemas.microsoft.com/office/powerpoint/2010/main" val="284627213"/>
+      </p:ext>
+    </p:extLst>
+  </p:cSld>
+  <p:clrMapOvr>
+    <a:masterClrMapping/>
+  </p:clrMapOvr>
+  <p:timing>
+    <p:tnLst>
+      <p:par>
+        <p:cTn id="1" dur="indefinite" restart="never" nodeType="tmRoot"/>
+      </p:par>
+    </p:tnLst>
+  </p:timing>
+</p:sld>
+</file>
+
+<file path=ppt/slides/slide29.xml><?xml version="1.0" encoding="utf-8"?>
+<p:sld xmlns:a="http://schemas.openxmlformats.org/drawingml/2006/main" xmlns:r="http://schemas.openxmlformats.org/officeDocument/2006/relationships" xmlns:p="http://schemas.openxmlformats.org/presentationml/2006/main">
+  <p:cSld>
+    <p:spTree>
+      <p:nvGrpSpPr>
+        <p:cNvPr id="1" name=""/>
+        <p:cNvGrpSpPr/>
+        <p:nvPr/>
+      </p:nvGrpSpPr>
+      <p:grpSpPr>
+        <a:xfrm>
+          <a:off x="0" y="0"/>
+          <a:ext cx="0" cy="0"/>
+          <a:chOff x="0" y="0"/>
+          <a:chExt cx="0" cy="0"/>
+        </a:xfrm>
+      </p:grpSpPr>
+      <p:sp>
+        <p:nvSpPr>
           <p:cNvPr id="9" name="スライド番号プレースホルダー 8"/>
           <p:cNvSpPr>
             <a:spLocks noGrp="1"/>
@@ -8377,7 +8474,7 @@
           <a:p>
             <a:fld id="{B719A31E-6442-9840-8256-6AAC2EFDFE94}" type="slidenum">
               <a:rPr kumimoji="1" lang="ja-JP" altLang="en-US" smtClean="0"/>
-              <a:t>28</a:t>
+              <a:t>29</a:t>
             </a:fld>
             <a:endParaRPr kumimoji="1" lang="ja-JP" altLang="en-US"/>
           </a:p>
@@ -8407,7 +8504,11 @@
           <a:p>
             <a:r>
               <a:rPr kumimoji="1" lang="ja-JP" altLang="en-US" sz="3600" dirty="0" smtClean="0"/>
-              <a:t>まとめ</a:t>
+              <a:t>いろいろな分布の</a:t>
+            </a:r>
+            <a:r>
+              <a:rPr kumimoji="1" lang="en-US" altLang="ja-JP" sz="3600" dirty="0" smtClean="0"/>
+              <a:t>GLMM</a:t>
             </a:r>
             <a:endParaRPr kumimoji="1" lang="ja-JP" altLang="en-US" sz="3600" dirty="0"/>
           </a:p>
@@ -8435,35 +8536,21 @@
           </a:bodyPr>
           <a:lstStyle/>
           <a:p>
-            <a:pPr marL="0" indent="0">
+            <a:r>
+              <a:rPr lang="ja-JP" altLang="en-US" dirty="0" smtClean="0"/>
+              <a:t>今回</a:t>
+            </a:r>
+            <a:endParaRPr lang="en-US" altLang="ja-JP" dirty="0" smtClean="0"/>
+          </a:p>
+          <a:p>
+            <a:pPr marL="457200" lvl="1" indent="0">
               <a:buNone/>
             </a:pPr>
-            <a:endParaRPr lang="en-US" altLang="ja-JP" dirty="0" smtClean="0"/>
-          </a:p>
-          <a:p>
-            <a:r>
-              <a:rPr lang="en-US" altLang="ja-JP" dirty="0" smtClean="0"/>
-              <a:t>GLM</a:t>
-            </a:r>
-            <a:r>
-              <a:rPr lang="ja-JP" altLang="en-US" dirty="0" smtClean="0"/>
-              <a:t>は説明変数で目的変数を全て説明できるとするモデル</a:t>
-            </a:r>
-            <a:endParaRPr lang="en-US" altLang="ja-JP" dirty="0" smtClean="0"/>
-          </a:p>
-          <a:p>
-            <a:pPr marL="0" indent="0">
-              <a:buNone/>
-            </a:pPr>
-            <a:r>
-              <a:rPr lang="ja-JP" altLang="en-US" dirty="0"/>
-              <a:t>　</a:t>
-            </a:r>
-            <a:r>
-              <a:rPr lang="ja-JP" altLang="en-US" dirty="0" smtClean="0"/>
-              <a:t>　→　実際にはそのような状況は少ない</a:t>
-            </a:r>
-            <a:endParaRPr lang="en-US" altLang="ja-JP" dirty="0" smtClean="0"/>
+            <a:r>
+              <a:rPr lang="ja-JP" altLang="en-US" sz="2800" dirty="0" smtClean="0"/>
+              <a:t>過分散の目的変数に二項分布と正規分布を混ぜ合わせることで対応</a:t>
+            </a:r>
+            <a:endParaRPr lang="en-US" altLang="ja-JP" sz="2800" dirty="0" smtClean="0"/>
           </a:p>
           <a:p>
             <a:pPr marL="0" indent="0">
@@ -8473,39 +8560,98 @@
           </a:p>
           <a:p>
             <a:r>
-              <a:rPr lang="en-US" altLang="ja-JP" dirty="0" smtClean="0"/>
+              <a:rPr lang="ja-JP" altLang="en-US" dirty="0" smtClean="0"/>
+              <a:t>他にも</a:t>
+            </a:r>
+            <a:endParaRPr lang="en-US" altLang="ja-JP" dirty="0"/>
+          </a:p>
+          <a:p>
+            <a:pPr marL="457200" lvl="1" indent="0">
+              <a:buNone/>
+            </a:pPr>
+            <a:r>
+              <a:rPr lang="ja-JP" altLang="en-US" sz="2800" dirty="0" smtClean="0"/>
+              <a:t>ポアソン分布</a:t>
+            </a:r>
+            <a:r>
+              <a:rPr lang="en-US" altLang="ja-JP" sz="2800" dirty="0" smtClean="0"/>
+              <a:t> + </a:t>
+            </a:r>
+            <a:r>
+              <a:rPr lang="ja-JP" altLang="en-US" sz="2800" dirty="0" smtClean="0"/>
+              <a:t>正規分布</a:t>
+            </a:r>
+            <a:endParaRPr lang="en-US" altLang="ja-JP" sz="2800" dirty="0" smtClean="0"/>
+          </a:p>
+          <a:p>
+            <a:pPr marL="457200" lvl="1" indent="0">
+              <a:buNone/>
+            </a:pPr>
+            <a:r>
+              <a:rPr lang="ja-JP" altLang="en-US" sz="2800" dirty="0" smtClean="0"/>
+              <a:t>ポアソン分布</a:t>
+            </a:r>
+            <a:r>
+              <a:rPr lang="en-US" altLang="ja-JP" sz="2800" dirty="0" smtClean="0"/>
+              <a:t> + </a:t>
+            </a:r>
+            <a:r>
+              <a:rPr lang="ja-JP" altLang="en-US" sz="2800" dirty="0" smtClean="0"/>
+              <a:t>ガンマ分布（負の二項分布）</a:t>
+            </a:r>
+            <a:endParaRPr lang="en-US" altLang="ja-JP" sz="2800" dirty="0"/>
+          </a:p>
+          <a:p>
+            <a:pPr marL="457200" lvl="1" indent="0">
+              <a:buNone/>
+            </a:pPr>
+            <a:r>
+              <a:rPr lang="ja-JP" altLang="en-US" sz="2800" dirty="0" smtClean="0"/>
+              <a:t>　　などがよく使われるらしい</a:t>
+            </a:r>
+            <a:endParaRPr lang="en-US" altLang="ja-JP" sz="2800" dirty="0" smtClean="0"/>
+          </a:p>
+          <a:p>
+            <a:pPr marL="457200" lvl="1" indent="0">
+              <a:buNone/>
+            </a:pPr>
+            <a:endParaRPr lang="en-US" altLang="ja-JP" sz="2800" dirty="0"/>
+          </a:p>
+          <a:p>
+            <a:pPr marL="457200" lvl="1" indent="0">
+              <a:buNone/>
+            </a:pPr>
+            <a:r>
+              <a:rPr lang="en-US" altLang="ja-JP" sz="2800" dirty="0" smtClean="0"/>
+              <a:t>※</a:t>
+            </a:r>
+            <a:r>
+              <a:rPr lang="ja-JP" altLang="en-US" sz="2800" dirty="0" smtClean="0"/>
+              <a:t>正規分布、ガンマ分布などの分散（標準偏差）を平均とは独立に決める分布では過分散は起きないが、擬似反復を含む場合には</a:t>
+            </a:r>
+            <a:r>
+              <a:rPr lang="en-US" altLang="ja-JP" sz="2800" dirty="0" smtClean="0"/>
               <a:t>GLMM</a:t>
             </a:r>
             <a:r>
-              <a:rPr lang="ja-JP" altLang="en-US" dirty="0" smtClean="0"/>
-              <a:t>では、ランダム効果として個体差</a:t>
-            </a:r>
-            <a:r>
-              <a:rPr lang="en-US" altLang="ja-JP" dirty="0" smtClean="0"/>
-              <a:t> r </a:t>
-            </a:r>
-            <a:r>
-              <a:rPr lang="ja-JP" altLang="en-US" dirty="0" smtClean="0"/>
-              <a:t>を導入し、確率分布を仮定することで個体差・場所差を扱うことができる</a:t>
-            </a:r>
+              <a:rPr lang="ja-JP" altLang="en-US" sz="2800" dirty="0" smtClean="0"/>
+              <a:t>を使う</a:t>
+            </a:r>
+            <a:endParaRPr lang="en-US" altLang="ja-JP" sz="2800" dirty="0" smtClean="0"/>
+          </a:p>
+          <a:p>
+            <a:pPr marL="457200" lvl="1" indent="0">
+              <a:buNone/>
+            </a:pPr>
+            <a:endParaRPr lang="en-US" altLang="ja-JP" sz="2800" dirty="0" smtClean="0"/>
+          </a:p>
+          <a:p>
+            <a:pPr marL="457200" lvl="1" indent="0">
+              <a:buNone/>
+            </a:pPr>
             <a:endParaRPr lang="en-US" altLang="ja-JP" dirty="0" smtClean="0"/>
           </a:p>
           <a:p>
-            <a:endParaRPr lang="en-US" altLang="ja-JP" dirty="0"/>
-          </a:p>
-          <a:p>
-            <a:r>
-              <a:rPr lang="ja-JP" altLang="en-US" dirty="0" smtClean="0"/>
-              <a:t>データの取り方に擬似反復がある場合は個体差が確認されるはずと考えて</a:t>
-            </a:r>
-            <a:r>
-              <a:rPr lang="en-US" altLang="ja-JP" dirty="0" smtClean="0"/>
-              <a:t>GLMM</a:t>
-            </a:r>
-            <a:r>
-              <a:rPr lang="ja-JP" altLang="en-US" dirty="0" smtClean="0"/>
-              <a:t>を使用しなければならない</a:t>
-            </a:r>
             <a:endParaRPr lang="en-US" altLang="ja-JP" dirty="0"/>
           </a:p>
           <a:p>
@@ -8516,7 +8662,7 @@
     </p:spTree>
     <p:extLst>
       <p:ext uri="{BB962C8B-B14F-4D97-AF65-F5344CB8AC3E}">
-        <p14:creationId xmlns:p14="http://schemas.microsoft.com/office/powerpoint/2010/main" val="2057775924"/>
+        <p14:creationId xmlns:p14="http://schemas.microsoft.com/office/powerpoint/2010/main" val="1877899196"/>
       </p:ext>
     </p:extLst>
   </p:cSld>
@@ -8743,6 +8889,294 @@
     <p:extLst>
       <p:ext uri="{BB962C8B-B14F-4D97-AF65-F5344CB8AC3E}">
         <p14:creationId xmlns:p14="http://schemas.microsoft.com/office/powerpoint/2010/main" val="656191301"/>
+      </p:ext>
+    </p:extLst>
+  </p:cSld>
+  <p:clrMapOvr>
+    <a:masterClrMapping/>
+  </p:clrMapOvr>
+  <p:timing>
+    <p:tnLst>
+      <p:par>
+        <p:cTn id="1" dur="indefinite" restart="never" nodeType="tmRoot"/>
+      </p:par>
+    </p:tnLst>
+  </p:timing>
+</p:sld>
+</file>
+
+<file path=ppt/slides/slide30.xml><?xml version="1.0" encoding="utf-8"?>
+<p:sld xmlns:a="http://schemas.openxmlformats.org/drawingml/2006/main" xmlns:r="http://schemas.openxmlformats.org/officeDocument/2006/relationships" xmlns:p="http://schemas.openxmlformats.org/presentationml/2006/main">
+  <p:cSld>
+    <p:spTree>
+      <p:nvGrpSpPr>
+        <p:cNvPr id="1" name=""/>
+        <p:cNvGrpSpPr/>
+        <p:nvPr/>
+      </p:nvGrpSpPr>
+      <p:grpSpPr>
+        <a:xfrm>
+          <a:off x="0" y="0"/>
+          <a:ext cx="0" cy="0"/>
+          <a:chOff x="0" y="0"/>
+          <a:chExt cx="0" cy="0"/>
+        </a:xfrm>
+      </p:grpSpPr>
+      <p:sp>
+        <p:nvSpPr>
+          <p:cNvPr id="2" name="タイトル 1"/>
+          <p:cNvSpPr>
+            <a:spLocks noGrp="1"/>
+          </p:cNvSpPr>
+          <p:nvPr>
+            <p:ph type="ctrTitle"/>
+          </p:nvPr>
+        </p:nvSpPr>
+        <p:spPr>
+          <a:xfrm>
+            <a:off x="1524000" y="2943224"/>
+            <a:ext cx="9144000" cy="752475"/>
+          </a:xfrm>
+        </p:spPr>
+        <p:txBody>
+          <a:bodyPr>
+            <a:normAutofit/>
+          </a:bodyPr>
+          <a:lstStyle/>
+          <a:p>
+            <a:r>
+              <a:rPr lang="en-US" altLang="ja-JP" sz="3600" dirty="0" smtClean="0"/>
+              <a:t>7</a:t>
+            </a:r>
+            <a:r>
+              <a:rPr kumimoji="1" lang="en-US" altLang="ja-JP" sz="3600" dirty="0" smtClean="0"/>
+              <a:t>.7</a:t>
+            </a:r>
+            <a:r>
+              <a:rPr kumimoji="1" lang="ja-JP" altLang="en-US" sz="3600" dirty="0" smtClean="0"/>
+              <a:t>まとめ</a:t>
+            </a:r>
+            <a:endParaRPr kumimoji="1" lang="ja-JP" altLang="en-US" sz="3600" dirty="0"/>
+          </a:p>
+        </p:txBody>
+      </p:sp>
+      <p:sp>
+        <p:nvSpPr>
+          <p:cNvPr id="3" name="スライド番号プレースホルダー 2"/>
+          <p:cNvSpPr>
+            <a:spLocks noGrp="1"/>
+          </p:cNvSpPr>
+          <p:nvPr>
+            <p:ph type="sldNum" sz="quarter" idx="12"/>
+          </p:nvPr>
+        </p:nvSpPr>
+        <p:spPr/>
+        <p:txBody>
+          <a:bodyPr/>
+          <a:lstStyle/>
+          <a:p>
+            <a:fld id="{B719A31E-6442-9840-8256-6AAC2EFDFE94}" type="slidenum">
+              <a:rPr kumimoji="1" lang="ja-JP" altLang="en-US" smtClean="0"/>
+              <a:t>30</a:t>
+            </a:fld>
+            <a:endParaRPr kumimoji="1" lang="ja-JP" altLang="en-US"/>
+          </a:p>
+        </p:txBody>
+      </p:sp>
+    </p:spTree>
+    <p:extLst>
+      <p:ext uri="{BB962C8B-B14F-4D97-AF65-F5344CB8AC3E}">
+        <p14:creationId xmlns:p14="http://schemas.microsoft.com/office/powerpoint/2010/main" val="2066598799"/>
+      </p:ext>
+    </p:extLst>
+  </p:cSld>
+  <p:clrMapOvr>
+    <a:masterClrMapping/>
+  </p:clrMapOvr>
+  <p:timing>
+    <p:tnLst>
+      <p:par>
+        <p:cTn id="1" dur="indefinite" restart="never" nodeType="tmRoot"/>
+      </p:par>
+    </p:tnLst>
+  </p:timing>
+</p:sld>
+</file>
+
+<file path=ppt/slides/slide31.xml><?xml version="1.0" encoding="utf-8"?>
+<p:sld xmlns:a="http://schemas.openxmlformats.org/drawingml/2006/main" xmlns:r="http://schemas.openxmlformats.org/officeDocument/2006/relationships" xmlns:p="http://schemas.openxmlformats.org/presentationml/2006/main">
+  <p:cSld>
+    <p:spTree>
+      <p:nvGrpSpPr>
+        <p:cNvPr id="1" name=""/>
+        <p:cNvGrpSpPr/>
+        <p:nvPr/>
+      </p:nvGrpSpPr>
+      <p:grpSpPr>
+        <a:xfrm>
+          <a:off x="0" y="0"/>
+          <a:ext cx="0" cy="0"/>
+          <a:chOff x="0" y="0"/>
+          <a:chExt cx="0" cy="0"/>
+        </a:xfrm>
+      </p:grpSpPr>
+      <p:sp>
+        <p:nvSpPr>
+          <p:cNvPr id="9" name="スライド番号プレースホルダー 8"/>
+          <p:cNvSpPr>
+            <a:spLocks noGrp="1"/>
+          </p:cNvSpPr>
+          <p:nvPr>
+            <p:ph type="sldNum" sz="quarter" idx="12"/>
+          </p:nvPr>
+        </p:nvSpPr>
+        <p:spPr/>
+        <p:txBody>
+          <a:bodyPr/>
+          <a:lstStyle/>
+          <a:p>
+            <a:fld id="{B719A31E-6442-9840-8256-6AAC2EFDFE94}" type="slidenum">
+              <a:rPr kumimoji="1" lang="ja-JP" altLang="en-US" smtClean="0"/>
+              <a:t>31</a:t>
+            </a:fld>
+            <a:endParaRPr kumimoji="1" lang="ja-JP" altLang="en-US"/>
+          </a:p>
+        </p:txBody>
+      </p:sp>
+      <p:sp>
+        <p:nvSpPr>
+          <p:cNvPr id="8" name="タイトル 1"/>
+          <p:cNvSpPr>
+            <a:spLocks noGrp="1"/>
+          </p:cNvSpPr>
+          <p:nvPr>
+            <p:ph type="title"/>
+          </p:nvPr>
+        </p:nvSpPr>
+        <p:spPr>
+          <a:xfrm>
+            <a:off x="166687" y="150812"/>
+            <a:ext cx="10515600" cy="792163"/>
+          </a:xfrm>
+        </p:spPr>
+        <p:txBody>
+          <a:bodyPr>
+            <a:normAutofit/>
+          </a:bodyPr>
+          <a:lstStyle/>
+          <a:p>
+            <a:r>
+              <a:rPr kumimoji="1" lang="ja-JP" altLang="en-US" sz="3600" dirty="0" smtClean="0"/>
+              <a:t>まとめ</a:t>
+            </a:r>
+            <a:endParaRPr kumimoji="1" lang="ja-JP" altLang="en-US" sz="3600" dirty="0"/>
+          </a:p>
+        </p:txBody>
+      </p:sp>
+      <p:sp>
+        <p:nvSpPr>
+          <p:cNvPr id="5" name="コンテンツ プレースホルダー 2"/>
+          <p:cNvSpPr>
+            <a:spLocks noGrp="1"/>
+          </p:cNvSpPr>
+          <p:nvPr>
+            <p:ph idx="1"/>
+          </p:nvPr>
+        </p:nvSpPr>
+        <p:spPr>
+          <a:xfrm>
+            <a:off x="400049" y="1825624"/>
+            <a:ext cx="11791951" cy="5032376"/>
+          </a:xfrm>
+        </p:spPr>
+        <p:txBody>
+          <a:bodyPr>
+            <a:normAutofit/>
+          </a:bodyPr>
+          <a:lstStyle/>
+          <a:p>
+            <a:pPr marL="0" indent="0">
+              <a:buNone/>
+            </a:pPr>
+            <a:endParaRPr lang="en-US" altLang="ja-JP" dirty="0" smtClean="0"/>
+          </a:p>
+          <a:p>
+            <a:r>
+              <a:rPr lang="en-US" altLang="ja-JP" dirty="0" smtClean="0"/>
+              <a:t>GLM</a:t>
+            </a:r>
+            <a:r>
+              <a:rPr lang="ja-JP" altLang="en-US" dirty="0" smtClean="0"/>
+              <a:t>は説明変数で目的変数を全て説明できるとするモデル</a:t>
+            </a:r>
+            <a:endParaRPr lang="en-US" altLang="ja-JP" dirty="0" smtClean="0"/>
+          </a:p>
+          <a:p>
+            <a:pPr marL="0" indent="0">
+              <a:buNone/>
+            </a:pPr>
+            <a:r>
+              <a:rPr lang="ja-JP" altLang="en-US" dirty="0"/>
+              <a:t>　</a:t>
+            </a:r>
+            <a:r>
+              <a:rPr lang="ja-JP" altLang="en-US" dirty="0" smtClean="0"/>
+              <a:t>　→　実際にはそのような状況は少ない</a:t>
+            </a:r>
+            <a:endParaRPr lang="en-US" altLang="ja-JP" dirty="0" smtClean="0"/>
+          </a:p>
+          <a:p>
+            <a:pPr marL="0" indent="0">
+              <a:buNone/>
+            </a:pPr>
+            <a:endParaRPr lang="en-US" altLang="ja-JP" dirty="0"/>
+          </a:p>
+          <a:p>
+            <a:r>
+              <a:rPr lang="en-US" altLang="ja-JP" dirty="0" smtClean="0"/>
+              <a:t>GLMM</a:t>
+            </a:r>
+            <a:r>
+              <a:rPr lang="ja-JP" altLang="en-US" dirty="0" smtClean="0"/>
+              <a:t>では、ランダム効果として個体差</a:t>
+            </a:r>
+            <a:r>
+              <a:rPr lang="en-US" altLang="ja-JP" dirty="0" smtClean="0"/>
+              <a:t> r </a:t>
+            </a:r>
+            <a:r>
+              <a:rPr lang="ja-JP" altLang="en-US" dirty="0" smtClean="0"/>
+              <a:t>を導入し、確率分布を仮定することで個体差・場所差を扱うことができる</a:t>
+            </a:r>
+            <a:endParaRPr lang="en-US" altLang="ja-JP" dirty="0" smtClean="0"/>
+          </a:p>
+          <a:p>
+            <a:endParaRPr lang="en-US" altLang="ja-JP" dirty="0"/>
+          </a:p>
+          <a:p>
+            <a:r>
+              <a:rPr lang="ja-JP" altLang="en-US" dirty="0" smtClean="0"/>
+              <a:t>データの取り方に擬似反復がある場合は個体差が確認されるはずと考えて</a:t>
+            </a:r>
+            <a:r>
+              <a:rPr lang="en-US" altLang="ja-JP" dirty="0" smtClean="0"/>
+              <a:t>GLMM</a:t>
+            </a:r>
+            <a:r>
+              <a:rPr lang="ja-JP" altLang="en-US" dirty="0" smtClean="0"/>
+              <a:t>を使用しなければならない</a:t>
+            </a:r>
+            <a:endParaRPr lang="en-US" altLang="ja-JP" dirty="0"/>
+          </a:p>
+          <a:p>
+            <a:endParaRPr lang="en-US" altLang="ja-JP" dirty="0" smtClean="0"/>
+          </a:p>
+        </p:txBody>
+      </p:sp>
+    </p:spTree>
+    <p:extLst>
+      <p:ext uri="{BB962C8B-B14F-4D97-AF65-F5344CB8AC3E}">
+        <p14:creationId xmlns:p14="http://schemas.microsoft.com/office/powerpoint/2010/main" val="2057775924"/>
       </p:ext>
     </p:extLst>
   </p:cSld>
